--- a/docs/Safe Platooning of Unmanned Aerial Vehicles via Reachability.pptx
+++ b/docs/Safe Platooning of Unmanned Aerial Vehicles via Reachability.pptx
@@ -118,6 +118,22 @@
       </a:defRPr>
     </a:lvl9pPr>
   </p:defaultTextStyle>
+  <p:extLst>
+    <p:ext uri="{EFAFB233-063F-42B5-8137-9DF3F51BA10A}">
+      <p15:sldGuideLst xmlns:p15="http://schemas.microsoft.com/office/powerpoint/2012/main">
+        <p15:guide id="1" orient="horz" pos="2160">
+          <p15:clr>
+            <a:srgbClr val="A4A3A4"/>
+          </p15:clr>
+        </p15:guide>
+        <p15:guide id="2" pos="2880">
+          <p15:clr>
+            <a:srgbClr val="A4A3A4"/>
+          </p15:clr>
+        </p15:guide>
+      </p15:sldGuideLst>
+    </p:ext>
+  </p:extLst>
 </p:presentation>
 </file>
 
@@ -203,7 +219,7 @@
           <a:p>
             <a:fld id="{DBC99BC4-4139-4C94-83DC-A0121E3F417E}" type="datetimeFigureOut">
               <a:rPr lang="en-US" smtClean="0"/>
-              <a:t>3/20/15</a:t>
+              <a:t>11/23/15</a:t>
             </a:fld>
             <a:endParaRPr lang="en-US"/>
           </a:p>
@@ -1108,7 +1124,7 @@
           <a:p>
             <a:fld id="{98C482E1-E3A2-499E-AFD2-7F6F87E4D06C}" type="datetimeFigureOut">
               <a:rPr lang="en-US" smtClean="0"/>
-              <a:t>3/20/15</a:t>
+              <a:t>11/23/15</a:t>
             </a:fld>
             <a:endParaRPr lang="en-US"/>
           </a:p>
@@ -1278,7 +1294,7 @@
           <a:p>
             <a:fld id="{98C482E1-E3A2-499E-AFD2-7F6F87E4D06C}" type="datetimeFigureOut">
               <a:rPr lang="en-US" smtClean="0"/>
-              <a:t>3/20/15</a:t>
+              <a:t>11/23/15</a:t>
             </a:fld>
             <a:endParaRPr lang="en-US"/>
           </a:p>
@@ -1458,7 +1474,7 @@
           <a:p>
             <a:fld id="{98C482E1-E3A2-499E-AFD2-7F6F87E4D06C}" type="datetimeFigureOut">
               <a:rPr lang="en-US" smtClean="0"/>
-              <a:t>3/20/15</a:t>
+              <a:t>11/23/15</a:t>
             </a:fld>
             <a:endParaRPr lang="en-US"/>
           </a:p>
@@ -1628,7 +1644,7 @@
           <a:p>
             <a:fld id="{98C482E1-E3A2-499E-AFD2-7F6F87E4D06C}" type="datetimeFigureOut">
               <a:rPr lang="en-US" smtClean="0"/>
-              <a:t>3/20/15</a:t>
+              <a:t>11/23/15</a:t>
             </a:fld>
             <a:endParaRPr lang="en-US"/>
           </a:p>
@@ -1872,7 +1888,7 @@
           <a:p>
             <a:fld id="{98C482E1-E3A2-499E-AFD2-7F6F87E4D06C}" type="datetimeFigureOut">
               <a:rPr lang="en-US" smtClean="0"/>
-              <a:t>3/20/15</a:t>
+              <a:t>11/23/15</a:t>
             </a:fld>
             <a:endParaRPr lang="en-US"/>
           </a:p>
@@ -2104,7 +2120,7 @@
           <a:p>
             <a:fld id="{98C482E1-E3A2-499E-AFD2-7F6F87E4D06C}" type="datetimeFigureOut">
               <a:rPr lang="en-US" smtClean="0"/>
-              <a:t>3/20/15</a:t>
+              <a:t>11/23/15</a:t>
             </a:fld>
             <a:endParaRPr lang="en-US"/>
           </a:p>
@@ -2471,7 +2487,7 @@
           <a:p>
             <a:fld id="{98C482E1-E3A2-499E-AFD2-7F6F87E4D06C}" type="datetimeFigureOut">
               <a:rPr lang="en-US" smtClean="0"/>
-              <a:t>3/20/15</a:t>
+              <a:t>11/23/15</a:t>
             </a:fld>
             <a:endParaRPr lang="en-US"/>
           </a:p>
@@ -2589,7 +2605,7 @@
           <a:p>
             <a:fld id="{98C482E1-E3A2-499E-AFD2-7F6F87E4D06C}" type="datetimeFigureOut">
               <a:rPr lang="en-US" smtClean="0"/>
-              <a:t>3/20/15</a:t>
+              <a:t>11/23/15</a:t>
             </a:fld>
             <a:endParaRPr lang="en-US"/>
           </a:p>
@@ -2684,7 +2700,7 @@
           <a:p>
             <a:fld id="{98C482E1-E3A2-499E-AFD2-7F6F87E4D06C}" type="datetimeFigureOut">
               <a:rPr lang="en-US" smtClean="0"/>
-              <a:t>3/20/15</a:t>
+              <a:t>11/23/15</a:t>
             </a:fld>
             <a:endParaRPr lang="en-US"/>
           </a:p>
@@ -2961,7 +2977,7 @@
           <a:p>
             <a:fld id="{98C482E1-E3A2-499E-AFD2-7F6F87E4D06C}" type="datetimeFigureOut">
               <a:rPr lang="en-US" smtClean="0"/>
-              <a:t>3/20/15</a:t>
+              <a:t>11/23/15</a:t>
             </a:fld>
             <a:endParaRPr lang="en-US"/>
           </a:p>
@@ -3218,7 +3234,7 @@
           <a:p>
             <a:fld id="{98C482E1-E3A2-499E-AFD2-7F6F87E4D06C}" type="datetimeFigureOut">
               <a:rPr lang="en-US" smtClean="0"/>
-              <a:t>3/20/15</a:t>
+              <a:t>11/23/15</a:t>
             </a:fld>
             <a:endParaRPr lang="en-US"/>
           </a:p>
@@ -3431,7 +3447,7 @@
           <a:p>
             <a:fld id="{98C482E1-E3A2-499E-AFD2-7F6F87E4D06C}" type="datetimeFigureOut">
               <a:rPr lang="en-US" smtClean="0"/>
-              <a:t>3/20/15</a:t>
+              <a:t>11/23/15</a:t>
             </a:fld>
             <a:endParaRPr lang="en-US"/>
           </a:p>
@@ -3907,15 +3923,11 @@
           <a:p>
             <a:r>
               <a:rPr lang="en-US" dirty="0" smtClean="0"/>
-              <a:t>Shankar </a:t>
-            </a:r>
-            <a:r>
-              <a:rPr lang="en-US" dirty="0" err="1" smtClean="0"/>
-              <a:t>Sastry</a:t>
+              <a:t>Claire </a:t>
             </a:r>
             <a:r>
               <a:rPr lang="en-US" dirty="0" smtClean="0"/>
-              <a:t>, Claire Tomlin</a:t>
+              <a:t>Tomlin</a:t>
             </a:r>
           </a:p>
           <a:p>
@@ -3940,7 +3952,7 @@
   <p:timing>
     <p:tnLst>
       <p:par>
-        <p:cTn xmlns:p14="http://schemas.microsoft.com/office/powerpoint/2010/main" id="1" dur="indefinite" restart="never" nodeType="tmRoot"/>
+        <p:cTn id="1" dur="indefinite" restart="never" nodeType="tmRoot"/>
       </p:par>
     </p:tnLst>
   </p:timing>
@@ -4099,7 +4111,7 @@
   <p:timing>
     <p:tnLst>
       <p:par>
-        <p:cTn xmlns:p14="http://schemas.microsoft.com/office/powerpoint/2010/main" id="1" dur="indefinite" restart="never" nodeType="tmRoot"/>
+        <p:cTn id="1" dur="indefinite" restart="never" nodeType="tmRoot"/>
       </p:par>
     </p:tnLst>
   </p:timing>
@@ -4307,7 +4319,7 @@
                   <a:t>HJ PDE for </a:t>
                 </a:r>
                 <a14:m>
-                  <m:oMath xmlns:m="http://schemas.openxmlformats.org/officeDocument/2006/math" xmlns="">
+                  <m:oMath xmlns:m="http://schemas.openxmlformats.org/officeDocument/2006/math">
                     <m:r>
                       <a:rPr lang="en-US" b="0" i="1" smtClean="0">
                         <a:latin typeface="Cambria Math" panose="02040503050406030204" pitchFamily="18" charset="0"/>
@@ -4363,7 +4375,7 @@
                   <a:buNone/>
                 </a:pPr>
                 <a14:m>
-                  <m:oMathPara xmlns:m="http://schemas.openxmlformats.org/officeDocument/2006/math" xmlns="">
+                  <m:oMathPara xmlns:m="http://schemas.openxmlformats.org/officeDocument/2006/math">
                     <m:oMathParaPr>
                       <m:jc m:val="centerGroup"/>
                     </m:oMathParaPr>
@@ -4645,7 +4657,7 @@
                   <a:buNone/>
                 </a:pPr>
                 <a14:m>
-                  <m:oMathPara xmlns:m="http://schemas.openxmlformats.org/officeDocument/2006/math" xmlns="">
+                  <m:oMathPara xmlns:m="http://schemas.openxmlformats.org/officeDocument/2006/math">
                     <m:oMathParaPr>
                       <m:jc m:val="centerGroup"/>
                     </m:oMathParaPr>
@@ -4908,7 +4920,7 @@
   <p:timing>
     <p:tnLst>
       <p:par>
-        <p:cTn xmlns:p14="http://schemas.microsoft.com/office/powerpoint/2010/main" id="1" dur="indefinite" restart="never" nodeType="tmRoot"/>
+        <p:cTn id="1" dur="indefinite" restart="never" nodeType="tmRoot"/>
       </p:par>
     </p:tnLst>
   </p:timing>
@@ -5111,7 +5123,7 @@
   <p:timing>
     <p:tnLst>
       <p:par>
-        <p:cTn xmlns:p14="http://schemas.microsoft.com/office/powerpoint/2010/main" id="1" dur="indefinite" restart="never" nodeType="tmRoot"/>
+        <p:cTn id="1" dur="indefinite" restart="never" nodeType="tmRoot"/>
       </p:par>
     </p:tnLst>
   </p:timing>
@@ -5264,7 +5276,7 @@
   <p:timing>
     <p:tnLst>
       <p:par>
-        <p:cTn xmlns:p14="http://schemas.microsoft.com/office/powerpoint/2010/main" id="1" dur="indefinite" restart="never" nodeType="tmRoot"/>
+        <p:cTn id="1" dur="indefinite" restart="never" nodeType="tmRoot"/>
       </p:par>
     </p:tnLst>
   </p:timing>
@@ -5391,7 +5403,7 @@
   <p:timing>
     <p:tnLst>
       <p:par>
-        <p:cTn xmlns:p14="http://schemas.microsoft.com/office/powerpoint/2010/main" id="1" dur="indefinite" restart="never" nodeType="tmRoot"/>
+        <p:cTn id="1" dur="indefinite" restart="never" nodeType="tmRoot"/>
       </p:par>
     </p:tnLst>
   </p:timing>
@@ -5499,7 +5511,7 @@
   <p:timing>
     <p:tnLst>
       <p:par>
-        <p:cTn xmlns:p14="http://schemas.microsoft.com/office/powerpoint/2010/main" id="1" dur="indefinite" restart="never" nodeType="tmRoot"/>
+        <p:cTn id="1" dur="indefinite" restart="never" nodeType="tmRoot"/>
       </p:par>
     </p:tnLst>
   </p:timing>
@@ -5626,7 +5638,7 @@
   <p:timing>
     <p:tnLst>
       <p:par>
-        <p:cTn xmlns:p14="http://schemas.microsoft.com/office/powerpoint/2010/main" id="1" dur="indefinite" restart="never" nodeType="tmRoot"/>
+        <p:cTn id="1" dur="indefinite" restart="never" nodeType="tmRoot"/>
       </p:par>
     </p:tnLst>
   </p:timing>
@@ -5716,7 +5728,7 @@
   <p:timing>
     <p:tnLst>
       <p:par>
-        <p:cTn xmlns:p14="http://schemas.microsoft.com/office/powerpoint/2010/main" id="1" dur="indefinite" restart="never" nodeType="tmRoot"/>
+        <p:cTn id="1" dur="indefinite" restart="never" nodeType="tmRoot"/>
       </p:par>
     </p:tnLst>
   </p:timing>
@@ -5802,7 +5814,7 @@
   <p:timing>
     <p:tnLst>
       <p:par>
-        <p:cTn xmlns:p14="http://schemas.microsoft.com/office/powerpoint/2010/main" id="1" dur="indefinite" restart="never" nodeType="tmRoot"/>
+        <p:cTn id="1" dur="indefinite" restart="never" nodeType="tmRoot"/>
       </p:par>
     </p:tnLst>
   </p:timing>
@@ -6064,7 +6076,7 @@
   <a:extraClrSchemeLst/>
   <a:extLst>
     <a:ext uri="{05A4C25C-085E-4340-85A3-A5531E510DB2}">
-      <thm15:themeFamily xmlns:thm15="http://schemas.microsoft.com/office/thememl/2012/main" xmlns="" name="Office Theme" id="{62F939B6-93AF-4DB8-9C6B-D6C7DFDC589F}" vid="{4A3C46E8-61CC-4603-A589-7422A47A8E4A}"/>
+      <thm15:themeFamily xmlns:thm15="http://schemas.microsoft.com/office/thememl/2012/main" name="Office Theme" id="{62F939B6-93AF-4DB8-9C6B-D6C7DFDC589F}" vid="{4A3C46E8-61CC-4603-A589-7422A47A8E4A}"/>
     </a:ext>
   </a:extLst>
 </a:theme>
@@ -6325,7 +6337,7 @@
   <a:extraClrSchemeLst/>
   <a:extLst>
     <a:ext uri="{05A4C25C-085E-4340-85A3-A5531E510DB2}">
-      <thm15:themeFamily xmlns:thm15="http://schemas.microsoft.com/office/thememl/2012/main" xmlns="" name="Office Theme" id="{62F939B6-93AF-4DB8-9C6B-D6C7DFDC589F}" vid="{4A3C46E8-61CC-4603-A589-7422A47A8E4A}"/>
+      <thm15:themeFamily xmlns:thm15="http://schemas.microsoft.com/office/thememl/2012/main" name="Office Theme" id="{62F939B6-93AF-4DB8-9C6B-D6C7DFDC589F}" vid="{4A3C46E8-61CC-4603-A589-7422A47A8E4A}"/>
     </a:ext>
   </a:extLst>
 </a:theme>
